--- a/lecture-slides/2019-10-16-oop.pptx
+++ b/lecture-slides/2019-10-16-oop.pptx
@@ -4280,19 +4280,6 @@
             </a:pPr>
             <a:r>
               <a:rPr lang="en-US" sz="2000" dirty="0"/>
-              <a:t>Mosaic Lite Discussion</a:t>
-            </a:r>
-          </a:p>
-          <a:p>
-            <a:pPr marL="457200" indent="-457200">
-              <a:spcBef>
-                <a:spcPts val="400"/>
-              </a:spcBef>
-              <a:buFont typeface="+mj-lt"/>
-              <a:buAutoNum type="arabicPeriod"/>
-            </a:pPr>
-            <a:r>
-              <a:rPr lang="en-US" sz="2000" dirty="0"/>
               <a:t>Assignment for Next Class</a:t>
             </a:r>
           </a:p>
@@ -4436,7 +4423,7 @@
           <a:graphicData uri="http://schemas.openxmlformats.org/presentationml/2006/ole">
             <mc:AlternateContent xmlns:mc="http://schemas.openxmlformats.org/markup-compatibility/2006">
               <mc:Choice xmlns:v="urn:schemas-microsoft-com:vml" Requires="v">
-                <p:oleObj spid="_x0000_s6156" name="Worksheet" r:id="rId4" imgW="9525000" imgH="3213100" progId="Excel.Sheet.12">
+                <p:oleObj spid="_x0000_s6157" name="Worksheet" r:id="rId4" imgW="9525000" imgH="3213100" progId="Excel.Sheet.12">
                   <p:embed/>
                 </p:oleObj>
               </mc:Choice>
@@ -4839,7 +4826,7 @@
           <a:graphicData uri="http://schemas.openxmlformats.org/presentationml/2006/ole">
             <mc:AlternateContent xmlns:mc="http://schemas.openxmlformats.org/markup-compatibility/2006">
               <mc:Choice xmlns:v="urn:schemas-microsoft-com:vml" Requires="v">
-                <p:oleObj spid="_x0000_s4110" name="Worksheet" r:id="rId3" imgW="7289800" imgH="7023100" progId="Excel.Sheet.12">
+                <p:oleObj spid="_x0000_s4111" name="Worksheet" r:id="rId3" imgW="7289800" imgH="7023100" progId="Excel.Sheet.12">
                   <p:embed/>
                 </p:oleObj>
               </mc:Choice>
